--- a/專案進度報告_陳冠華_20241227.pptx
+++ b/專案進度報告_陳冠華_20241227.pptx
@@ -6682,7 +6682,7 @@
         </p:nvGrpSpPr>
         <p:grpSpPr>
           <a:xfrm>
-            <a:off x="5651746" y="1978787"/>
+            <a:off x="6761236" y="1978787"/>
             <a:ext cx="4242046" cy="3246251"/>
             <a:chOff x="5651746" y="1916227"/>
             <a:chExt cx="4242046" cy="3308811"/>
@@ -6924,7 +6924,7 @@
         </p:nvSpPr>
         <p:spPr>
           <a:xfrm>
-            <a:off x="7456955" y="6488668"/>
+            <a:off x="7675164" y="6396699"/>
             <a:ext cx="3678636" cy="369332"/>
           </a:xfrm>
           <a:prstGeom prst="rect">
@@ -6945,6 +6945,77 @@
               <a:t>https://github.com/chjason123/SoC_</a:t>
             </a:r>
             <a:endParaRPr lang="zh-TW" altLang="en-US" dirty="0"/>
+          </a:p>
+        </p:txBody>
+      </p:sp>
+      <p:pic>
+        <p:nvPicPr>
+          <p:cNvPr id="6" name="圖片 5">
+            <a:extLst>
+              <a:ext uri="{FF2B5EF4-FFF2-40B4-BE49-F238E27FC236}">
+                <a16:creationId xmlns:a16="http://schemas.microsoft.com/office/drawing/2014/main" id="{8F8382A4-CFA0-D086-198D-0F882CD60361}"/>
+              </a:ext>
+            </a:extLst>
+          </p:cNvPr>
+          <p:cNvPicPr>
+            <a:picLocks noChangeAspect="1"/>
+          </p:cNvPicPr>
+          <p:nvPr/>
+        </p:nvPicPr>
+        <p:blipFill>
+          <a:blip r:embed="rId3"/>
+          <a:stretch>
+            <a:fillRect/>
+          </a:stretch>
+        </p:blipFill>
+        <p:spPr>
+          <a:xfrm>
+            <a:off x="452004" y="2063301"/>
+            <a:ext cx="11287991" cy="2731398"/>
+          </a:xfrm>
+          <a:prstGeom prst="rect">
+            <a:avLst/>
+          </a:prstGeom>
+        </p:spPr>
+      </p:pic>
+      <p:sp>
+        <p:nvSpPr>
+          <p:cNvPr id="7" name="文字方塊 6">
+            <a:extLst>
+              <a:ext uri="{FF2B5EF4-FFF2-40B4-BE49-F238E27FC236}">
+                <a16:creationId xmlns:a16="http://schemas.microsoft.com/office/drawing/2014/main" id="{0DEA2DD3-01A4-7040-FD36-00A25D339991}"/>
+              </a:ext>
+            </a:extLst>
+          </p:cNvPr>
+          <p:cNvSpPr txBox="1"/>
+          <p:nvPr/>
+        </p:nvSpPr>
+        <p:spPr>
+          <a:xfrm>
+            <a:off x="5990516" y="1540081"/>
+            <a:ext cx="2932878" cy="523220"/>
+          </a:xfrm>
+          <a:prstGeom prst="rect">
+            <a:avLst/>
+          </a:prstGeom>
+          <a:noFill/>
+        </p:spPr>
+        <p:txBody>
+          <a:bodyPr wrap="square" rtlCol="0">
+            <a:spAutoFit/>
+          </a:bodyPr>
+          <a:lstStyle/>
+          <a:p>
+            <a:r>
+              <a:rPr lang="zh-TW" altLang="en-US" sz="2800" b="1" dirty="0">
+                <a:solidFill>
+                  <a:srgbClr val="FF0000"/>
+                </a:solidFill>
+                <a:latin typeface="標楷體" panose="03000509000000000000" pitchFamily="65" charset="-120"/>
+                <a:ea typeface="標楷體" panose="03000509000000000000" pitchFamily="65" charset="-120"/>
+              </a:rPr>
+              <a:t>新增報告與程式</a:t>
+            </a:r>
           </a:p>
         </p:txBody>
       </p:sp>
